--- a/restring/imgs/credits.pptx
+++ b/restring/imgs/credits.pptx
@@ -243,7 +243,7 @@
           <a:p>
             <a:fld id="{F12D8BAF-2750-5F47-8952-2021D09B5E54}" type="datetimeFigureOut">
               <a:rPr lang="en-US" smtClean="0"/>
-              <a:t>9/2/21</a:t>
+              <a:t>9/27/21</a:t>
             </a:fld>
             <a:endParaRPr lang="en-US"/>
           </a:p>
@@ -413,7 +413,7 @@
           <a:p>
             <a:fld id="{F12D8BAF-2750-5F47-8952-2021D09B5E54}" type="datetimeFigureOut">
               <a:rPr lang="en-US" smtClean="0"/>
-              <a:t>9/2/21</a:t>
+              <a:t>9/27/21</a:t>
             </a:fld>
             <a:endParaRPr lang="en-US"/>
           </a:p>
@@ -593,7 +593,7 @@
           <a:p>
             <a:fld id="{F12D8BAF-2750-5F47-8952-2021D09B5E54}" type="datetimeFigureOut">
               <a:rPr lang="en-US" smtClean="0"/>
-              <a:t>9/2/21</a:t>
+              <a:t>9/27/21</a:t>
             </a:fld>
             <a:endParaRPr lang="en-US"/>
           </a:p>
@@ -763,7 +763,7 @@
           <a:p>
             <a:fld id="{F12D8BAF-2750-5F47-8952-2021D09B5E54}" type="datetimeFigureOut">
               <a:rPr lang="en-US" smtClean="0"/>
-              <a:t>9/2/21</a:t>
+              <a:t>9/27/21</a:t>
             </a:fld>
             <a:endParaRPr lang="en-US"/>
           </a:p>
@@ -1007,7 +1007,7 @@
           <a:p>
             <a:fld id="{F12D8BAF-2750-5F47-8952-2021D09B5E54}" type="datetimeFigureOut">
               <a:rPr lang="en-US" smtClean="0"/>
-              <a:t>9/2/21</a:t>
+              <a:t>9/27/21</a:t>
             </a:fld>
             <a:endParaRPr lang="en-US"/>
           </a:p>
@@ -1239,7 +1239,7 @@
           <a:p>
             <a:fld id="{F12D8BAF-2750-5F47-8952-2021D09B5E54}" type="datetimeFigureOut">
               <a:rPr lang="en-US" smtClean="0"/>
-              <a:t>9/2/21</a:t>
+              <a:t>9/27/21</a:t>
             </a:fld>
             <a:endParaRPr lang="en-US"/>
           </a:p>
@@ -1606,7 +1606,7 @@
           <a:p>
             <a:fld id="{F12D8BAF-2750-5F47-8952-2021D09B5E54}" type="datetimeFigureOut">
               <a:rPr lang="en-US" smtClean="0"/>
-              <a:t>9/2/21</a:t>
+              <a:t>9/27/21</a:t>
             </a:fld>
             <a:endParaRPr lang="en-US"/>
           </a:p>
@@ -1724,7 +1724,7 @@
           <a:p>
             <a:fld id="{F12D8BAF-2750-5F47-8952-2021D09B5E54}" type="datetimeFigureOut">
               <a:rPr lang="en-US" smtClean="0"/>
-              <a:t>9/2/21</a:t>
+              <a:t>9/27/21</a:t>
             </a:fld>
             <a:endParaRPr lang="en-US"/>
           </a:p>
@@ -1819,7 +1819,7 @@
           <a:p>
             <a:fld id="{F12D8BAF-2750-5F47-8952-2021D09B5E54}" type="datetimeFigureOut">
               <a:rPr lang="en-US" smtClean="0"/>
-              <a:t>9/2/21</a:t>
+              <a:t>9/27/21</a:t>
             </a:fld>
             <a:endParaRPr lang="en-US"/>
           </a:p>
@@ -2096,7 +2096,7 @@
           <a:p>
             <a:fld id="{F12D8BAF-2750-5F47-8952-2021D09B5E54}" type="datetimeFigureOut">
               <a:rPr lang="en-US" smtClean="0"/>
-              <a:t>9/2/21</a:t>
+              <a:t>9/27/21</a:t>
             </a:fld>
             <a:endParaRPr lang="en-US"/>
           </a:p>
@@ -2353,7 +2353,7 @@
           <a:p>
             <a:fld id="{F12D8BAF-2750-5F47-8952-2021D09B5E54}" type="datetimeFigureOut">
               <a:rPr lang="en-US" smtClean="0"/>
-              <a:t>9/2/21</a:t>
+              <a:t>9/27/21</a:t>
             </a:fld>
             <a:endParaRPr lang="en-US"/>
           </a:p>
@@ -2566,7 +2566,7 @@
           <a:p>
             <a:fld id="{F12D8BAF-2750-5F47-8952-2021D09B5E54}" type="datetimeFigureOut">
               <a:rPr lang="en-US" smtClean="0"/>
-              <a:t>9/2/21</a:t>
+              <a:t>9/27/21</a:t>
             </a:fld>
             <a:endParaRPr lang="en-US"/>
           </a:p>
@@ -3050,8 +3050,8 @@
         </p:nvSpPr>
         <p:spPr>
           <a:xfrm>
-            <a:off x="2357229" y="50800"/>
-            <a:ext cx="4429541" cy="6340197"/>
+            <a:off x="2137024" y="50800"/>
+            <a:ext cx="4890499" cy="6370975"/>
           </a:xfrm>
           <a:prstGeom prst="rect">
             <a:avLst/>
@@ -3116,7 +3116,7 @@
           <a:p>
             <a:pPr algn="ctr"/>
             <a:r>
-              <a:rPr lang="en-US" sz="2400" dirty="0">
+              <a:rPr lang="en-US" sz="2000" dirty="0">
                 <a:solidFill>
                   <a:schemeClr val="bg1"/>
                 </a:solidFill>
@@ -3138,7 +3138,7 @@
           <a:p>
             <a:pPr algn="ctr"/>
             <a:r>
-              <a:rPr lang="en-US" sz="2400" dirty="0">
+              <a:rPr lang="en-US" sz="2000" dirty="0">
                 <a:solidFill>
                   <a:schemeClr val="bg1"/>
                 </a:solidFill>
@@ -3146,7 +3146,7 @@
               <a:t>Marco </a:t>
             </a:r>
             <a:r>
-              <a:rPr lang="en-US" sz="2400" dirty="0" err="1">
+              <a:rPr lang="en-US" sz="2000" dirty="0" err="1">
                 <a:solidFill>
                   <a:schemeClr val="bg1"/>
                 </a:solidFill>
@@ -3154,7 +3154,7 @@
               <a:t>Busnelli</a:t>
             </a:r>
             <a:r>
-              <a:rPr lang="en-US" sz="2400" dirty="0">
+              <a:rPr lang="en-US" sz="2000" dirty="0">
                 <a:solidFill>
                   <a:schemeClr val="bg1"/>
                 </a:solidFill>
@@ -3165,12 +3165,50 @@
           <a:p>
             <a:pPr algn="ctr"/>
             <a:r>
-              <a:rPr lang="en-US" sz="2400" dirty="0">
+              <a:rPr lang="en-US" sz="2000" dirty="0">
                 <a:solidFill>
                   <a:schemeClr val="bg1"/>
                 </a:solidFill>
               </a:rPr>
               <a:t>Alice Colombo</a:t>
+            </a:r>
+          </a:p>
+          <a:p>
+            <a:pPr algn="ctr"/>
+            <a:r>
+              <a:rPr lang="en-US" sz="2000" dirty="0">
+                <a:solidFill>
+                  <a:schemeClr val="bg1"/>
+                </a:solidFill>
+              </a:rPr>
+              <a:t>Elsa Franchi</a:t>
+            </a:r>
+          </a:p>
+          <a:p>
+            <a:pPr algn="ctr"/>
+            <a:r>
+              <a:rPr lang="en-US" sz="2000" dirty="0">
+                <a:solidFill>
+                  <a:schemeClr val="bg1"/>
+                </a:solidFill>
+              </a:rPr>
+              <a:t>Pasquale </a:t>
+            </a:r>
+            <a:r>
+              <a:rPr lang="en-US" sz="2000" dirty="0" err="1">
+                <a:solidFill>
+                  <a:schemeClr val="bg1"/>
+                </a:solidFill>
+              </a:rPr>
+              <a:t>Grossano</a:t>
+            </a:r>
+            <a:r>
+              <a:rPr lang="en-US" sz="2000" dirty="0">
+                <a:solidFill>
+                  <a:schemeClr val="bg1"/>
+                </a:solidFill>
+              </a:rPr>
+              <a:t>, PhD</a:t>
             </a:r>
           </a:p>
           <a:p>
@@ -3195,7 +3233,7 @@
           <a:p>
             <a:pPr algn="ctr"/>
             <a:r>
-              <a:rPr lang="en-US" sz="2400" dirty="0">
+              <a:rPr lang="en-US" sz="2000" dirty="0">
                 <a:solidFill>
                   <a:schemeClr val="bg1"/>
                 </a:solidFill>
@@ -3259,11 +3297,8 @@
                   <a:schemeClr val="bg1"/>
                 </a:solidFill>
               </a:rPr>
-              <a:t> di Milano</a:t>
-            </a:r>
-          </a:p>
-          <a:p>
-            <a:pPr algn="ctr"/>
+              <a:t> di Milano </a:t>
+            </a:r>
             <a:r>
               <a:rPr lang="en-US" sz="1400" dirty="0" err="1">
                 <a:solidFill>
@@ -3304,20 +3339,13 @@
               </a:rPr>
               <a:t>Sperimentale</a:t>
             </a:r>
-            <a:br>
+            <a:r>
               <a:rPr lang="en-US" sz="1400" dirty="0">
                 <a:solidFill>
                   <a:schemeClr val="bg1"/>
                 </a:solidFill>
               </a:rPr>
-            </a:br>
-            <a:r>
-              <a:rPr lang="en-US" sz="1400" dirty="0">
-                <a:solidFill>
-                  <a:schemeClr val="bg1"/>
-                </a:solidFill>
-              </a:rPr>
-              <a:t>e </a:t>
+              <a:t> e </a:t>
             </a:r>
             <a:r>
               <a:rPr lang="en-US" sz="1400" dirty="0" err="1">
